--- a/13_vue/02_进阶/note.pptx
+++ b/13_vue/02_进阶/note.pptx
@@ -4016,24 +4016,32 @@
           </a:p>
         </p:txBody>
       </p:sp>
-      <p:sp>
-        <p:nvSpPr>
-          <p:cNvPr id="3" name="内容占位符 2"/>
-          <p:cNvSpPr>
-            <a:spLocks noGrp="1"/>
-          </p:cNvSpPr>
+      <p:pic>
+        <p:nvPicPr>
+          <p:cNvPr id="4" name="内容占位符 3"/>
+          <p:cNvPicPr>
+            <a:picLocks noChangeAspect="1"/>
+          </p:cNvPicPr>
           <p:nvPr>
             <p:ph idx="1"/>
           </p:nvPr>
-        </p:nvSpPr>
-        <p:spPr/>
-        <p:txBody>
-          <a:bodyPr/>
-          <a:p>
-            <a:endParaRPr lang="zh-CN" altLang="en-US"/>
-          </a:p>
-        </p:txBody>
-      </p:sp>
+        </p:nvPicPr>
+        <p:blipFill>
+          <a:blip r:embed="rId1"/>
+          <a:stretch>
+            <a:fillRect/>
+          </a:stretch>
+        </p:blipFill>
+        <p:spPr>
+          <a:xfrm>
+            <a:off x="635" y="-24765"/>
+            <a:ext cx="9241155" cy="6910070"/>
+          </a:xfrm>
+          <a:prstGeom prst="rect">
+            <a:avLst/>
+          </a:prstGeom>
+        </p:spPr>
+      </p:pic>
     </p:spTree>
   </p:cSld>
   <p:clrMapOvr>
@@ -4070,24 +4078,32 @@
           </a:p>
         </p:txBody>
       </p:sp>
-      <p:sp>
-        <p:nvSpPr>
-          <p:cNvPr id="3" name="内容占位符 2"/>
-          <p:cNvSpPr>
-            <a:spLocks noGrp="1"/>
-          </p:cNvSpPr>
+      <p:pic>
+        <p:nvPicPr>
+          <p:cNvPr id="4" name="内容占位符 3"/>
+          <p:cNvPicPr>
+            <a:picLocks noChangeAspect="1"/>
+          </p:cNvPicPr>
           <p:nvPr>
             <p:ph idx="1"/>
           </p:nvPr>
-        </p:nvSpPr>
-        <p:spPr/>
-        <p:txBody>
-          <a:bodyPr/>
-          <a:p>
-            <a:endParaRPr lang="zh-CN" altLang="en-US"/>
-          </a:p>
-        </p:txBody>
-      </p:sp>
+        </p:nvPicPr>
+        <p:blipFill>
+          <a:blip r:embed="rId1"/>
+          <a:stretch>
+            <a:fillRect/>
+          </a:stretch>
+        </p:blipFill>
+        <p:spPr>
+          <a:xfrm>
+            <a:off x="3810" y="-10795"/>
+            <a:ext cx="9180195" cy="6840855"/>
+          </a:xfrm>
+          <a:prstGeom prst="rect">
+            <a:avLst/>
+          </a:prstGeom>
+        </p:spPr>
+      </p:pic>
     </p:spTree>
   </p:cSld>
   <p:clrMapOvr>
@@ -4124,24 +4140,32 @@
           </a:p>
         </p:txBody>
       </p:sp>
-      <p:sp>
-        <p:nvSpPr>
-          <p:cNvPr id="3" name="内容占位符 2"/>
-          <p:cNvSpPr>
-            <a:spLocks noGrp="1"/>
-          </p:cNvSpPr>
+      <p:pic>
+        <p:nvPicPr>
+          <p:cNvPr id="4" name="内容占位符 3"/>
+          <p:cNvPicPr>
+            <a:picLocks noChangeAspect="1"/>
+          </p:cNvPicPr>
           <p:nvPr>
             <p:ph idx="1"/>
           </p:nvPr>
-        </p:nvSpPr>
-        <p:spPr/>
-        <p:txBody>
-          <a:bodyPr/>
-          <a:p>
-            <a:endParaRPr lang="zh-CN" altLang="en-US"/>
-          </a:p>
-        </p:txBody>
-      </p:sp>
+        </p:nvPicPr>
+        <p:blipFill>
+          <a:blip r:embed="rId1"/>
+          <a:stretch>
+            <a:fillRect/>
+          </a:stretch>
+        </p:blipFill>
+        <p:spPr>
+          <a:xfrm>
+            <a:off x="-3810" y="-10795"/>
+            <a:ext cx="9116695" cy="6840855"/>
+          </a:xfrm>
+          <a:prstGeom prst="rect">
+            <a:avLst/>
+          </a:prstGeom>
+        </p:spPr>
+      </p:pic>
     </p:spTree>
   </p:cSld>
   <p:clrMapOvr>
@@ -4178,24 +4202,32 @@
           </a:p>
         </p:txBody>
       </p:sp>
-      <p:sp>
-        <p:nvSpPr>
-          <p:cNvPr id="3" name="内容占位符 2"/>
-          <p:cNvSpPr>
-            <a:spLocks noGrp="1"/>
-          </p:cNvSpPr>
+      <p:pic>
+        <p:nvPicPr>
+          <p:cNvPr id="4" name="内容占位符 3"/>
+          <p:cNvPicPr>
+            <a:picLocks noChangeAspect="1"/>
+          </p:cNvPicPr>
           <p:nvPr>
             <p:ph idx="1"/>
           </p:nvPr>
-        </p:nvSpPr>
-        <p:spPr/>
-        <p:txBody>
-          <a:bodyPr/>
-          <a:p>
-            <a:endParaRPr lang="zh-CN" altLang="en-US"/>
-          </a:p>
-        </p:txBody>
-      </p:sp>
+        </p:nvPicPr>
+        <p:blipFill>
+          <a:blip r:embed="rId1"/>
+          <a:stretch>
+            <a:fillRect/>
+          </a:stretch>
+        </p:blipFill>
+        <p:spPr>
+          <a:xfrm>
+            <a:off x="-64135" y="-93980"/>
+            <a:ext cx="9203055" cy="6893560"/>
+          </a:xfrm>
+          <a:prstGeom prst="rect">
+            <a:avLst/>
+          </a:prstGeom>
+        </p:spPr>
+      </p:pic>
     </p:spTree>
   </p:cSld>
   <p:clrMapOvr>

--- a/13_vue/02_进阶/note.pptx
+++ b/13_vue/02_进阶/note.pptx
@@ -4264,24 +4264,32 @@
           </a:p>
         </p:txBody>
       </p:sp>
-      <p:sp>
-        <p:nvSpPr>
-          <p:cNvPr id="3" name="内容占位符 2"/>
-          <p:cNvSpPr>
-            <a:spLocks noGrp="1"/>
-          </p:cNvSpPr>
+      <p:pic>
+        <p:nvPicPr>
+          <p:cNvPr id="4" name="内容占位符 3"/>
+          <p:cNvPicPr>
+            <a:picLocks noChangeAspect="1"/>
+          </p:cNvPicPr>
           <p:nvPr>
             <p:ph idx="1"/>
           </p:nvPr>
-        </p:nvSpPr>
-        <p:spPr/>
-        <p:txBody>
-          <a:bodyPr/>
-          <a:p>
-            <a:endParaRPr lang="zh-CN" altLang="en-US"/>
-          </a:p>
-        </p:txBody>
-      </p:sp>
+        </p:nvPicPr>
+        <p:blipFill>
+          <a:blip r:embed="rId1"/>
+          <a:stretch>
+            <a:fillRect/>
+          </a:stretch>
+        </p:blipFill>
+        <p:spPr>
+          <a:xfrm>
+            <a:off x="-24130" y="3175"/>
+            <a:ext cx="9081135" cy="6799580"/>
+          </a:xfrm>
+          <a:prstGeom prst="rect">
+            <a:avLst/>
+          </a:prstGeom>
+        </p:spPr>
+      </p:pic>
     </p:spTree>
   </p:cSld>
   <p:clrMapOvr>
@@ -4318,24 +4326,32 @@
           </a:p>
         </p:txBody>
       </p:sp>
-      <p:sp>
-        <p:nvSpPr>
-          <p:cNvPr id="3" name="内容占位符 2"/>
-          <p:cNvSpPr>
-            <a:spLocks noGrp="1"/>
-          </p:cNvSpPr>
+      <p:pic>
+        <p:nvPicPr>
+          <p:cNvPr id="4" name="内容占位符 3"/>
+          <p:cNvPicPr>
+            <a:picLocks noChangeAspect="1"/>
+          </p:cNvPicPr>
           <p:nvPr>
             <p:ph idx="1"/>
           </p:nvPr>
-        </p:nvSpPr>
-        <p:spPr/>
-        <p:txBody>
-          <a:bodyPr/>
-          <a:p>
-            <a:endParaRPr lang="zh-CN" altLang="en-US"/>
-          </a:p>
-        </p:txBody>
-      </p:sp>
+        </p:nvPicPr>
+        <p:blipFill>
+          <a:blip r:embed="rId1"/>
+          <a:stretch>
+            <a:fillRect/>
+          </a:stretch>
+        </p:blipFill>
+        <p:spPr>
+          <a:xfrm>
+            <a:off x="635" y="17780"/>
+            <a:ext cx="9060180" cy="6807835"/>
+          </a:xfrm>
+          <a:prstGeom prst="rect">
+            <a:avLst/>
+          </a:prstGeom>
+        </p:spPr>
+      </p:pic>
     </p:spTree>
   </p:cSld>
   <p:clrMapOvr>
@@ -4372,24 +4388,32 @@
           </a:p>
         </p:txBody>
       </p:sp>
-      <p:sp>
-        <p:nvSpPr>
-          <p:cNvPr id="3" name="内容占位符 2"/>
-          <p:cNvSpPr>
-            <a:spLocks noGrp="1"/>
-          </p:cNvSpPr>
+      <p:pic>
+        <p:nvPicPr>
+          <p:cNvPr id="4" name="内容占位符 3"/>
+          <p:cNvPicPr>
+            <a:picLocks noChangeAspect="1"/>
+          </p:cNvPicPr>
           <p:nvPr>
             <p:ph idx="1"/>
           </p:nvPr>
-        </p:nvSpPr>
-        <p:spPr/>
-        <p:txBody>
-          <a:bodyPr/>
-          <a:p>
-            <a:endParaRPr lang="zh-CN" altLang="en-US"/>
-          </a:p>
-        </p:txBody>
-      </p:sp>
+        </p:nvPicPr>
+        <p:blipFill>
+          <a:blip r:embed="rId1"/>
+          <a:stretch>
+            <a:fillRect/>
+          </a:stretch>
+        </p:blipFill>
+        <p:spPr>
+          <a:xfrm>
+            <a:off x="-19050" y="-10160"/>
+            <a:ext cx="9112885" cy="6801485"/>
+          </a:xfrm>
+          <a:prstGeom prst="rect">
+            <a:avLst/>
+          </a:prstGeom>
+        </p:spPr>
+      </p:pic>
     </p:spTree>
   </p:cSld>
   <p:clrMapOvr>
@@ -4426,24 +4450,32 @@
           </a:p>
         </p:txBody>
       </p:sp>
-      <p:sp>
-        <p:nvSpPr>
-          <p:cNvPr id="3" name="内容占位符 2"/>
-          <p:cNvSpPr>
-            <a:spLocks noGrp="1"/>
-          </p:cNvSpPr>
+      <p:pic>
+        <p:nvPicPr>
+          <p:cNvPr id="4" name="内容占位符 3"/>
+          <p:cNvPicPr>
+            <a:picLocks noChangeAspect="1"/>
+          </p:cNvPicPr>
           <p:nvPr>
             <p:ph idx="1"/>
           </p:nvPr>
-        </p:nvSpPr>
-        <p:spPr/>
-        <p:txBody>
-          <a:bodyPr/>
-          <a:p>
-            <a:endParaRPr lang="zh-CN" altLang="en-US"/>
-          </a:p>
-        </p:txBody>
-      </p:sp>
+        </p:nvPicPr>
+        <p:blipFill>
+          <a:blip r:embed="rId1"/>
+          <a:stretch>
+            <a:fillRect/>
+          </a:stretch>
+        </p:blipFill>
+        <p:spPr>
+          <a:xfrm>
+            <a:off x="-5715" y="3175"/>
+            <a:ext cx="9128125" cy="6779260"/>
+          </a:xfrm>
+          <a:prstGeom prst="rect">
+            <a:avLst/>
+          </a:prstGeom>
+        </p:spPr>
+      </p:pic>
     </p:spTree>
   </p:cSld>
   <p:clrMapOvr>
@@ -4542,24 +4574,32 @@
           </a:p>
         </p:txBody>
       </p:sp>
-      <p:sp>
-        <p:nvSpPr>
-          <p:cNvPr id="3" name="内容占位符 2"/>
-          <p:cNvSpPr>
-            <a:spLocks noGrp="1"/>
-          </p:cNvSpPr>
+      <p:pic>
+        <p:nvPicPr>
+          <p:cNvPr id="4" name="内容占位符 3"/>
+          <p:cNvPicPr>
+            <a:picLocks noChangeAspect="1"/>
+          </p:cNvPicPr>
           <p:nvPr>
             <p:ph idx="1"/>
           </p:nvPr>
-        </p:nvSpPr>
-        <p:spPr/>
-        <p:txBody>
-          <a:bodyPr/>
-          <a:p>
-            <a:endParaRPr lang="zh-CN" altLang="en-US"/>
-          </a:p>
-        </p:txBody>
-      </p:sp>
+        </p:nvPicPr>
+        <p:blipFill>
+          <a:blip r:embed="rId1"/>
+          <a:stretch>
+            <a:fillRect/>
+          </a:stretch>
+        </p:blipFill>
+        <p:spPr>
+          <a:xfrm>
+            <a:off x="-34925" y="-10795"/>
+            <a:ext cx="9088120" cy="6844665"/>
+          </a:xfrm>
+          <a:prstGeom prst="rect">
+            <a:avLst/>
+          </a:prstGeom>
+        </p:spPr>
+      </p:pic>
     </p:spTree>
   </p:cSld>
   <p:clrMapOvr>
